--- a/material_de_apoio/quadro.pptx
+++ b/material_de_apoio/quadro.pptx
@@ -104,13 +104,18 @@
       </a:defRPr>
     </a:lvl9pPr>
   </p:defaultTextStyle>
+  <p:extLst>
+    <p:ext uri="{EFAFB233-063F-42B5-8137-9DF3F51BA10A}">
+      <p15:sldGuideLst xmlns:p15="http://schemas.microsoft.com/office/powerpoint/2012/main"/>
+    </p:ext>
+  </p:extLst>
 </p:presentation>
 </file>
 
 <file path=ppt/revisionInfo.xml><?xml version="1.0" encoding="utf-8"?>
 <p1510:revInfo xmlns:a="http://schemas.openxmlformats.org/drawingml/2006/main" xmlns:r="http://schemas.openxmlformats.org/officeDocument/2006/relationships" xmlns:p1510="http://schemas.microsoft.com/office/powerpoint/2015/10/main">
   <p1510:revLst>
-    <p1510:client id="{AC718D33-2B35-4EF3-BB6A-1B5746BE02B1}" v="2" dt="2023-06-24T17:23:04.465"/>
+    <p1510:client id="{AC718D33-2B35-4EF3-BB6A-1B5746BE02B1}" v="12" dt="2023-06-24T22:27:37.120"/>
   </p1510:revLst>
 </p1510:revInfo>
 </file>
@@ -119,17 +124,105 @@
 <pc:chgInfo xmlns:a="http://schemas.openxmlformats.org/drawingml/2006/main" xmlns:r="http://schemas.openxmlformats.org/officeDocument/2006/relationships" xmlns:ac="http://schemas.microsoft.com/office/drawing/2013/main/command" xmlns:pc="http://schemas.microsoft.com/office/powerpoint/2013/main/command">
   <pc:docChgLst>
     <pc:chgData name="João Ricardo Côre Dutra" userId="27e839ac370b924f" providerId="LiveId" clId="{AC718D33-2B35-4EF3-BB6A-1B5746BE02B1}"/>
-    <pc:docChg chg="modSld">
-      <pc:chgData name="João Ricardo Côre Dutra" userId="27e839ac370b924f" providerId="LiveId" clId="{AC718D33-2B35-4EF3-BB6A-1B5746BE02B1}" dt="2023-06-24T17:23:04.465" v="1"/>
+    <pc:docChg chg="undo custSel addSld delSld modSld">
+      <pc:chgData name="João Ricardo Côre Dutra" userId="27e839ac370b924f" providerId="LiveId" clId="{AC718D33-2B35-4EF3-BB6A-1B5746BE02B1}" dt="2023-06-24T22:27:42.977" v="54" actId="478"/>
       <pc:docMkLst>
         <pc:docMk/>
       </pc:docMkLst>
-      <pc:sldChg chg="addSp delSp">
-        <pc:chgData name="João Ricardo Côre Dutra" userId="27e839ac370b924f" providerId="LiveId" clId="{AC718D33-2B35-4EF3-BB6A-1B5746BE02B1}" dt="2023-06-24T17:23:04.465" v="1"/>
+      <pc:sldChg chg="addSp delSp modSp mod">
+        <pc:chgData name="João Ricardo Côre Dutra" userId="27e839ac370b924f" providerId="LiveId" clId="{AC718D33-2B35-4EF3-BB6A-1B5746BE02B1}" dt="2023-06-24T22:27:42.977" v="54" actId="478"/>
         <pc:sldMkLst>
           <pc:docMk/>
           <pc:sldMk cId="357764004" sldId="256"/>
         </pc:sldMkLst>
+        <pc:grpChg chg="del mod">
+          <ac:chgData name="João Ricardo Côre Dutra" userId="27e839ac370b924f" providerId="LiveId" clId="{AC718D33-2B35-4EF3-BB6A-1B5746BE02B1}" dt="2023-06-24T22:17:25.943" v="6"/>
+          <ac:grpSpMkLst>
+            <pc:docMk/>
+            <pc:sldMk cId="357764004" sldId="256"/>
+            <ac:grpSpMk id="4" creationId="{51A06E84-E1C0-F3DB-AAC6-C27B86CD27D0}"/>
+          </ac:grpSpMkLst>
+        </pc:grpChg>
+        <pc:grpChg chg="del mod">
+          <ac:chgData name="João Ricardo Côre Dutra" userId="27e839ac370b924f" providerId="LiveId" clId="{AC718D33-2B35-4EF3-BB6A-1B5746BE02B1}" dt="2023-06-24T22:17:28.351" v="8"/>
+          <ac:grpSpMkLst>
+            <pc:docMk/>
+            <pc:sldMk cId="357764004" sldId="256"/>
+            <ac:grpSpMk id="6" creationId="{2BFC8F13-8A9E-9262-CB7F-7AC42CFBDE3B}"/>
+          </ac:grpSpMkLst>
+        </pc:grpChg>
+        <pc:grpChg chg="del mod">
+          <ac:chgData name="João Ricardo Côre Dutra" userId="27e839ac370b924f" providerId="LiveId" clId="{AC718D33-2B35-4EF3-BB6A-1B5746BE02B1}" dt="2023-06-24T22:18:19.271" v="19" actId="478"/>
+          <ac:grpSpMkLst>
+            <pc:docMk/>
+            <pc:sldMk cId="357764004" sldId="256"/>
+            <ac:grpSpMk id="8" creationId="{C4C2E447-3207-9499-2E4F-5F294940D502}"/>
+          </ac:grpSpMkLst>
+        </pc:grpChg>
+        <pc:grpChg chg="del mod">
+          <ac:chgData name="João Ricardo Côre Dutra" userId="27e839ac370b924f" providerId="LiveId" clId="{AC718D33-2B35-4EF3-BB6A-1B5746BE02B1}" dt="2023-06-24T22:18:19.271" v="19" actId="478"/>
+          <ac:grpSpMkLst>
+            <pc:docMk/>
+            <pc:sldMk cId="357764004" sldId="256"/>
+            <ac:grpSpMk id="14" creationId="{D20B82D1-05FA-391D-C1DB-8A7E3CB1FF68}"/>
+          </ac:grpSpMkLst>
+        </pc:grpChg>
+        <pc:grpChg chg="del mod">
+          <ac:chgData name="João Ricardo Côre Dutra" userId="27e839ac370b924f" providerId="LiveId" clId="{AC718D33-2B35-4EF3-BB6A-1B5746BE02B1}" dt="2023-06-24T22:27:42.977" v="54" actId="478"/>
+          <ac:grpSpMkLst>
+            <pc:docMk/>
+            <pc:sldMk cId="357764004" sldId="256"/>
+            <ac:grpSpMk id="24" creationId="{1D3CC290-CA3F-727F-7624-36C89595B4B4}"/>
+          </ac:grpSpMkLst>
+        </pc:grpChg>
+        <pc:grpChg chg="del mod">
+          <ac:chgData name="João Ricardo Côre Dutra" userId="27e839ac370b924f" providerId="LiveId" clId="{AC718D33-2B35-4EF3-BB6A-1B5746BE02B1}" dt="2023-06-24T22:27:42.977" v="54" actId="478"/>
+          <ac:grpSpMkLst>
+            <pc:docMk/>
+            <pc:sldMk cId="357764004" sldId="256"/>
+            <ac:grpSpMk id="25" creationId="{7176C2A2-D5C7-C820-AAD7-F4E8FCF77727}"/>
+          </ac:grpSpMkLst>
+        </pc:grpChg>
+        <pc:grpChg chg="del mod">
+          <ac:chgData name="João Ricardo Côre Dutra" userId="27e839ac370b924f" providerId="LiveId" clId="{AC718D33-2B35-4EF3-BB6A-1B5746BE02B1}" dt="2023-06-24T22:27:42.977" v="54" actId="478"/>
+          <ac:grpSpMkLst>
+            <pc:docMk/>
+            <pc:sldMk cId="357764004" sldId="256"/>
+            <ac:grpSpMk id="28" creationId="{DA0BEFB2-6550-E212-07C4-B5A33020DB91}"/>
+          </ac:grpSpMkLst>
+        </pc:grpChg>
+        <pc:grpChg chg="del mod">
+          <ac:chgData name="João Ricardo Côre Dutra" userId="27e839ac370b924f" providerId="LiveId" clId="{AC718D33-2B35-4EF3-BB6A-1B5746BE02B1}" dt="2023-06-24T22:27:42.977" v="54" actId="478"/>
+          <ac:grpSpMkLst>
+            <pc:docMk/>
+            <pc:sldMk cId="357764004" sldId="256"/>
+            <ac:grpSpMk id="33" creationId="{A31C5D68-E1FB-D39D-B779-4E3084CD1CB6}"/>
+          </ac:grpSpMkLst>
+        </pc:grpChg>
+        <pc:grpChg chg="del mod">
+          <ac:chgData name="João Ricardo Côre Dutra" userId="27e839ac370b924f" providerId="LiveId" clId="{AC718D33-2B35-4EF3-BB6A-1B5746BE02B1}" dt="2023-06-24T22:27:42.977" v="54" actId="478"/>
+          <ac:grpSpMkLst>
+            <pc:docMk/>
+            <pc:sldMk cId="357764004" sldId="256"/>
+            <ac:grpSpMk id="38" creationId="{5E0BDD39-589F-8908-2930-CB299C8A6D2E}"/>
+          </ac:grpSpMkLst>
+        </pc:grpChg>
+        <pc:inkChg chg="add mod">
+          <ac:chgData name="João Ricardo Côre Dutra" userId="27e839ac370b924f" providerId="LiveId" clId="{AC718D33-2B35-4EF3-BB6A-1B5746BE02B1}" dt="2023-06-24T22:17:28.351" v="8"/>
+          <ac:inkMkLst>
+            <pc:docMk/>
+            <pc:sldMk cId="357764004" sldId="256"/>
+            <ac:inkMk id="2" creationId="{A1B5F3CD-219A-B9DF-C5F3-677A0E78CE36}"/>
+          </ac:inkMkLst>
+        </pc:inkChg>
+        <pc:inkChg chg="add mod">
+          <ac:chgData name="João Ricardo Côre Dutra" userId="27e839ac370b924f" providerId="LiveId" clId="{AC718D33-2B35-4EF3-BB6A-1B5746BE02B1}" dt="2023-06-24T22:17:28.351" v="8"/>
+          <ac:inkMkLst>
+            <pc:docMk/>
+            <pc:sldMk cId="357764004" sldId="256"/>
+            <ac:inkMk id="3" creationId="{7675EA28-72B2-BA8C-ACB7-A5EF38DEAA9F}"/>
+          </ac:inkMkLst>
+        </pc:inkChg>
         <pc:inkChg chg="add del">
           <ac:chgData name="João Ricardo Côre Dutra" userId="27e839ac370b924f" providerId="LiveId" clId="{AC718D33-2B35-4EF3-BB6A-1B5746BE02B1}" dt="2023-06-24T17:23:04.465" v="1"/>
           <ac:inkMkLst>
@@ -138,6 +231,229 @@
             <ac:inkMk id="4" creationId="{5C265C3C-C73A-F094-AA48-BDEECD9D25D8}"/>
           </ac:inkMkLst>
         </pc:inkChg>
+        <pc:inkChg chg="add mod">
+          <ac:chgData name="João Ricardo Côre Dutra" userId="27e839ac370b924f" providerId="LiveId" clId="{AC718D33-2B35-4EF3-BB6A-1B5746BE02B1}" dt="2023-06-24T22:17:28.351" v="8"/>
+          <ac:inkMkLst>
+            <pc:docMk/>
+            <pc:sldMk cId="357764004" sldId="256"/>
+            <ac:inkMk id="5" creationId="{3F350F4F-F439-D829-2BD3-0024B57B52AD}"/>
+          </ac:inkMkLst>
+        </pc:inkChg>
+        <pc:inkChg chg="add mod">
+          <ac:chgData name="João Ricardo Côre Dutra" userId="27e839ac370b924f" providerId="LiveId" clId="{AC718D33-2B35-4EF3-BB6A-1B5746BE02B1}" dt="2023-06-24T22:17:28.351" v="8"/>
+          <ac:inkMkLst>
+            <pc:docMk/>
+            <pc:sldMk cId="357764004" sldId="256"/>
+            <ac:inkMk id="7" creationId="{72040C22-E99A-E638-8775-C55B45357E5B}"/>
+          </ac:inkMkLst>
+        </pc:inkChg>
+        <pc:inkChg chg="add del">
+          <ac:chgData name="João Ricardo Côre Dutra" userId="27e839ac370b924f" providerId="LiveId" clId="{AC718D33-2B35-4EF3-BB6A-1B5746BE02B1}" dt="2023-06-24T22:18:19.271" v="19" actId="478"/>
+          <ac:inkMkLst>
+            <pc:docMk/>
+            <pc:sldMk cId="357764004" sldId="256"/>
+            <ac:inkMk id="9" creationId="{F6222955-4790-2E14-237F-7BB7B0FB51E6}"/>
+          </ac:inkMkLst>
+        </pc:inkChg>
+        <pc:inkChg chg="add del">
+          <ac:chgData name="João Ricardo Côre Dutra" userId="27e839ac370b924f" providerId="LiveId" clId="{AC718D33-2B35-4EF3-BB6A-1B5746BE02B1}" dt="2023-06-24T22:18:19.271" v="19" actId="478"/>
+          <ac:inkMkLst>
+            <pc:docMk/>
+            <pc:sldMk cId="357764004" sldId="256"/>
+            <ac:inkMk id="10" creationId="{E1F95081-FC78-844D-AF93-8188860CBC98}"/>
+          </ac:inkMkLst>
+        </pc:inkChg>
+        <pc:inkChg chg="add del mod">
+          <ac:chgData name="João Ricardo Côre Dutra" userId="27e839ac370b924f" providerId="LiveId" clId="{AC718D33-2B35-4EF3-BB6A-1B5746BE02B1}" dt="2023-06-24T22:18:19.271" v="19" actId="478"/>
+          <ac:inkMkLst>
+            <pc:docMk/>
+            <pc:sldMk cId="357764004" sldId="256"/>
+            <ac:inkMk id="11" creationId="{B6824D7B-5D72-D409-E586-90834C2A6CF3}"/>
+          </ac:inkMkLst>
+        </pc:inkChg>
+        <pc:inkChg chg="add mod">
+          <ac:chgData name="João Ricardo Côre Dutra" userId="27e839ac370b924f" providerId="LiveId" clId="{AC718D33-2B35-4EF3-BB6A-1B5746BE02B1}" dt="2023-06-24T22:18:05.379" v="17"/>
+          <ac:inkMkLst>
+            <pc:docMk/>
+            <pc:sldMk cId="357764004" sldId="256"/>
+            <ac:inkMk id="12" creationId="{F338865E-D123-794E-6410-0190FA3333DC}"/>
+          </ac:inkMkLst>
+        </pc:inkChg>
+        <pc:inkChg chg="add mod">
+          <ac:chgData name="João Ricardo Côre Dutra" userId="27e839ac370b924f" providerId="LiveId" clId="{AC718D33-2B35-4EF3-BB6A-1B5746BE02B1}" dt="2023-06-24T22:18:05.379" v="17"/>
+          <ac:inkMkLst>
+            <pc:docMk/>
+            <pc:sldMk cId="357764004" sldId="256"/>
+            <ac:inkMk id="13" creationId="{8E886C34-30D1-46F5-A0B2-89825943A1BB}"/>
+          </ac:inkMkLst>
+        </pc:inkChg>
+        <pc:inkChg chg="add del">
+          <ac:chgData name="João Ricardo Côre Dutra" userId="27e839ac370b924f" providerId="LiveId" clId="{AC718D33-2B35-4EF3-BB6A-1B5746BE02B1}" dt="2023-06-24T22:18:19.271" v="19" actId="478"/>
+          <ac:inkMkLst>
+            <pc:docMk/>
+            <pc:sldMk cId="357764004" sldId="256"/>
+            <ac:inkMk id="15" creationId="{98DAA095-74D9-B851-0B4A-07D322A8DC6E}"/>
+          </ac:inkMkLst>
+        </pc:inkChg>
+        <pc:inkChg chg="add del">
+          <ac:chgData name="João Ricardo Côre Dutra" userId="27e839ac370b924f" providerId="LiveId" clId="{AC718D33-2B35-4EF3-BB6A-1B5746BE02B1}" dt="2023-06-24T22:27:42.977" v="54" actId="478"/>
+          <ac:inkMkLst>
+            <pc:docMk/>
+            <pc:sldMk cId="357764004" sldId="256"/>
+            <ac:inkMk id="16" creationId="{DD74057C-FB33-CE15-9AF6-415DDB8B0E80}"/>
+          </ac:inkMkLst>
+        </pc:inkChg>
+        <pc:inkChg chg="add del">
+          <ac:chgData name="João Ricardo Côre Dutra" userId="27e839ac370b924f" providerId="LiveId" clId="{AC718D33-2B35-4EF3-BB6A-1B5746BE02B1}" dt="2023-06-24T22:27:42.977" v="54" actId="478"/>
+          <ac:inkMkLst>
+            <pc:docMk/>
+            <pc:sldMk cId="357764004" sldId="256"/>
+            <ac:inkMk id="17" creationId="{F2A9E465-4FF7-11D4-DBB7-FD6BD328034C}"/>
+          </ac:inkMkLst>
+        </pc:inkChg>
+        <pc:inkChg chg="add del">
+          <ac:chgData name="João Ricardo Côre Dutra" userId="27e839ac370b924f" providerId="LiveId" clId="{AC718D33-2B35-4EF3-BB6A-1B5746BE02B1}" dt="2023-06-24T22:27:42.977" v="54" actId="478"/>
+          <ac:inkMkLst>
+            <pc:docMk/>
+            <pc:sldMk cId="357764004" sldId="256"/>
+            <ac:inkMk id="18" creationId="{2FFB46B6-FB17-D0FE-AA28-A5B397B76DE9}"/>
+          </ac:inkMkLst>
+        </pc:inkChg>
+        <pc:inkChg chg="add del">
+          <ac:chgData name="João Ricardo Côre Dutra" userId="27e839ac370b924f" providerId="LiveId" clId="{AC718D33-2B35-4EF3-BB6A-1B5746BE02B1}" dt="2023-06-24T22:27:42.977" v="54" actId="478"/>
+          <ac:inkMkLst>
+            <pc:docMk/>
+            <pc:sldMk cId="357764004" sldId="256"/>
+            <ac:inkMk id="19" creationId="{1A5BF420-0195-66A6-6E8D-505091156C95}"/>
+          </ac:inkMkLst>
+        </pc:inkChg>
+        <pc:inkChg chg="add mod">
+          <ac:chgData name="João Ricardo Côre Dutra" userId="27e839ac370b924f" providerId="LiveId" clId="{AC718D33-2B35-4EF3-BB6A-1B5746BE02B1}" dt="2023-06-24T22:21:59.214" v="28"/>
+          <ac:inkMkLst>
+            <pc:docMk/>
+            <pc:sldMk cId="357764004" sldId="256"/>
+            <ac:inkMk id="20" creationId="{F4EDF3DA-572A-FDCB-B389-21A70E545F3C}"/>
+          </ac:inkMkLst>
+        </pc:inkChg>
+        <pc:inkChg chg="add mod">
+          <ac:chgData name="João Ricardo Côre Dutra" userId="27e839ac370b924f" providerId="LiveId" clId="{AC718D33-2B35-4EF3-BB6A-1B5746BE02B1}" dt="2023-06-24T22:21:59.214" v="28"/>
+          <ac:inkMkLst>
+            <pc:docMk/>
+            <pc:sldMk cId="357764004" sldId="256"/>
+            <ac:inkMk id="21" creationId="{71978F81-B250-8543-C0BF-23AA9BD995AB}"/>
+          </ac:inkMkLst>
+        </pc:inkChg>
+        <pc:inkChg chg="add mod">
+          <ac:chgData name="João Ricardo Côre Dutra" userId="27e839ac370b924f" providerId="LiveId" clId="{AC718D33-2B35-4EF3-BB6A-1B5746BE02B1}" dt="2023-06-24T22:21:59.214" v="28"/>
+          <ac:inkMkLst>
+            <pc:docMk/>
+            <pc:sldMk cId="357764004" sldId="256"/>
+            <ac:inkMk id="22" creationId="{8F9856E2-27A9-2D28-F689-B926B62FEA00}"/>
+          </ac:inkMkLst>
+        </pc:inkChg>
+        <pc:inkChg chg="add mod">
+          <ac:chgData name="João Ricardo Côre Dutra" userId="27e839ac370b924f" providerId="LiveId" clId="{AC718D33-2B35-4EF3-BB6A-1B5746BE02B1}" dt="2023-06-24T22:21:59.214" v="28"/>
+          <ac:inkMkLst>
+            <pc:docMk/>
+            <pc:sldMk cId="357764004" sldId="256"/>
+            <ac:inkMk id="23" creationId="{D37287FB-DFEA-9572-47D2-AC35201E0990}"/>
+          </ac:inkMkLst>
+        </pc:inkChg>
+        <pc:inkChg chg="add mod">
+          <ac:chgData name="João Ricardo Côre Dutra" userId="27e839ac370b924f" providerId="LiveId" clId="{AC718D33-2B35-4EF3-BB6A-1B5746BE02B1}" dt="2023-06-24T22:22:03.128" v="31"/>
+          <ac:inkMkLst>
+            <pc:docMk/>
+            <pc:sldMk cId="357764004" sldId="256"/>
+            <ac:inkMk id="26" creationId="{878D3683-EFCB-9585-71AA-668A9A5F2A99}"/>
+          </ac:inkMkLst>
+        </pc:inkChg>
+        <pc:inkChg chg="add mod">
+          <ac:chgData name="João Ricardo Côre Dutra" userId="27e839ac370b924f" providerId="LiveId" clId="{AC718D33-2B35-4EF3-BB6A-1B5746BE02B1}" dt="2023-06-24T22:22:03.128" v="31"/>
+          <ac:inkMkLst>
+            <pc:docMk/>
+            <pc:sldMk cId="357764004" sldId="256"/>
+            <ac:inkMk id="27" creationId="{6AB50801-838C-C9E2-35CF-F0B990EBB5D6}"/>
+          </ac:inkMkLst>
+        </pc:inkChg>
+        <pc:inkChg chg="add mod">
+          <ac:chgData name="João Ricardo Côre Dutra" userId="27e839ac370b924f" providerId="LiveId" clId="{AC718D33-2B35-4EF3-BB6A-1B5746BE02B1}" dt="2023-06-24T22:22:08.957" v="36"/>
+          <ac:inkMkLst>
+            <pc:docMk/>
+            <pc:sldMk cId="357764004" sldId="256"/>
+            <ac:inkMk id="29" creationId="{B70DA66D-7CBF-ED22-7911-41A5D13A240A}"/>
+          </ac:inkMkLst>
+        </pc:inkChg>
+        <pc:inkChg chg="add mod">
+          <ac:chgData name="João Ricardo Côre Dutra" userId="27e839ac370b924f" providerId="LiveId" clId="{AC718D33-2B35-4EF3-BB6A-1B5746BE02B1}" dt="2023-06-24T22:22:08.957" v="36"/>
+          <ac:inkMkLst>
+            <pc:docMk/>
+            <pc:sldMk cId="357764004" sldId="256"/>
+            <ac:inkMk id="30" creationId="{6452546A-9A8D-EACB-E98F-51FB73B2F7D5}"/>
+          </ac:inkMkLst>
+        </pc:inkChg>
+        <pc:inkChg chg="add mod">
+          <ac:chgData name="João Ricardo Côre Dutra" userId="27e839ac370b924f" providerId="LiveId" clId="{AC718D33-2B35-4EF3-BB6A-1B5746BE02B1}" dt="2023-06-24T22:22:08.957" v="36"/>
+          <ac:inkMkLst>
+            <pc:docMk/>
+            <pc:sldMk cId="357764004" sldId="256"/>
+            <ac:inkMk id="31" creationId="{E04E1218-5665-AE71-8700-34C69F5A307C}"/>
+          </ac:inkMkLst>
+        </pc:inkChg>
+        <pc:inkChg chg="add mod">
+          <ac:chgData name="João Ricardo Côre Dutra" userId="27e839ac370b924f" providerId="LiveId" clId="{AC718D33-2B35-4EF3-BB6A-1B5746BE02B1}" dt="2023-06-24T22:22:08.957" v="36"/>
+          <ac:inkMkLst>
+            <pc:docMk/>
+            <pc:sldMk cId="357764004" sldId="256"/>
+            <ac:inkMk id="32" creationId="{9301EBC9-F4F7-C3B3-1CF6-7438CA05912A}"/>
+          </ac:inkMkLst>
+        </pc:inkChg>
+        <pc:inkChg chg="add del">
+          <ac:chgData name="João Ricardo Côre Dutra" userId="27e839ac370b924f" providerId="LiveId" clId="{AC718D33-2B35-4EF3-BB6A-1B5746BE02B1}" dt="2023-06-24T22:22:48.786" v="38" actId="9405"/>
+          <ac:inkMkLst>
+            <pc:docMk/>
+            <pc:sldMk cId="357764004" sldId="256"/>
+            <ac:inkMk id="34" creationId="{EB9EFF26-E39A-9470-DBFB-F51CB1F6215C}"/>
+          </ac:inkMkLst>
+        </pc:inkChg>
+        <pc:inkChg chg="add del mod">
+          <ac:chgData name="João Ricardo Côre Dutra" userId="27e839ac370b924f" providerId="LiveId" clId="{AC718D33-2B35-4EF3-BB6A-1B5746BE02B1}" dt="2023-06-24T22:27:42.977" v="54" actId="478"/>
+          <ac:inkMkLst>
+            <pc:docMk/>
+            <pc:sldMk cId="357764004" sldId="256"/>
+            <ac:inkMk id="35" creationId="{88594043-F388-3ED9-2DC3-7DAFE82D78D3}"/>
+          </ac:inkMkLst>
+        </pc:inkChg>
+        <pc:inkChg chg="add mod">
+          <ac:chgData name="João Ricardo Côre Dutra" userId="27e839ac370b924f" providerId="LiveId" clId="{AC718D33-2B35-4EF3-BB6A-1B5746BE02B1}" dt="2023-06-24T22:23:06.678" v="42"/>
+          <ac:inkMkLst>
+            <pc:docMk/>
+            <pc:sldMk cId="357764004" sldId="256"/>
+            <ac:inkMk id="36" creationId="{E0CB79A4-3F82-12A3-7E36-3B22C6144945}"/>
+          </ac:inkMkLst>
+        </pc:inkChg>
+        <pc:inkChg chg="add mod">
+          <ac:chgData name="João Ricardo Côre Dutra" userId="27e839ac370b924f" providerId="LiveId" clId="{AC718D33-2B35-4EF3-BB6A-1B5746BE02B1}" dt="2023-06-24T22:23:06.678" v="42"/>
+          <ac:inkMkLst>
+            <pc:docMk/>
+            <pc:sldMk cId="357764004" sldId="256"/>
+            <ac:inkMk id="37" creationId="{17542F50-F8FD-B44D-2762-59652BB43E58}"/>
+          </ac:inkMkLst>
+        </pc:inkChg>
+        <pc:inkChg chg="add del">
+          <ac:chgData name="João Ricardo Côre Dutra" userId="27e839ac370b924f" providerId="LiveId" clId="{AC718D33-2B35-4EF3-BB6A-1B5746BE02B1}" dt="2023-06-24T22:27:42.977" v="54" actId="478"/>
+          <ac:inkMkLst>
+            <pc:docMk/>
+            <pc:sldMk cId="357764004" sldId="256"/>
+            <ac:inkMk id="39" creationId="{908409BA-699D-00D7-904F-CA53D1098292}"/>
+          </ac:inkMkLst>
+        </pc:inkChg>
+      </pc:sldChg>
+      <pc:sldChg chg="add del setBg">
+        <pc:chgData name="João Ricardo Côre Dutra" userId="27e839ac370b924f" providerId="LiveId" clId="{AC718D33-2B35-4EF3-BB6A-1B5746BE02B1}" dt="2023-06-24T22:27:37.116" v="53"/>
+        <pc:sldMkLst>
+          <pc:docMk/>
+          <pc:sldMk cId="2426949715" sldId="257"/>
+        </pc:sldMkLst>
       </pc:sldChg>
     </pc:docChg>
   </pc:docChgLst>
@@ -291,7 +607,7 @@
           <a:p>
             <a:fld id="{7D638593-04F8-497E-B562-73D2958170EE}" type="datetimeFigureOut">
               <a:rPr lang="pt-BR" smtClean="0"/>
-              <a:t>sábado</a:t>
+              <a:t>domingo</a:t>
             </a:fld>
             <a:endParaRPr lang="pt-BR"/>
           </a:p>
@@ -489,7 +805,7 @@
           <a:p>
             <a:fld id="{7D638593-04F8-497E-B562-73D2958170EE}" type="datetimeFigureOut">
               <a:rPr lang="pt-BR" smtClean="0"/>
-              <a:t>sábado</a:t>
+              <a:t>domingo</a:t>
             </a:fld>
             <a:endParaRPr lang="pt-BR"/>
           </a:p>
@@ -697,7 +1013,7 @@
           <a:p>
             <a:fld id="{7D638593-04F8-497E-B562-73D2958170EE}" type="datetimeFigureOut">
               <a:rPr lang="pt-BR" smtClean="0"/>
-              <a:t>sábado</a:t>
+              <a:t>domingo</a:t>
             </a:fld>
             <a:endParaRPr lang="pt-BR"/>
           </a:p>
@@ -895,7 +1211,7 @@
           <a:p>
             <a:fld id="{7D638593-04F8-497E-B562-73D2958170EE}" type="datetimeFigureOut">
               <a:rPr lang="pt-BR" smtClean="0"/>
-              <a:t>sábado</a:t>
+              <a:t>domingo</a:t>
             </a:fld>
             <a:endParaRPr lang="pt-BR"/>
           </a:p>
@@ -1170,7 +1486,7 @@
           <a:p>
             <a:fld id="{7D638593-04F8-497E-B562-73D2958170EE}" type="datetimeFigureOut">
               <a:rPr lang="pt-BR" smtClean="0"/>
-              <a:t>sábado</a:t>
+              <a:t>domingo</a:t>
             </a:fld>
             <a:endParaRPr lang="pt-BR"/>
           </a:p>
@@ -1435,7 +1751,7 @@
           <a:p>
             <a:fld id="{7D638593-04F8-497E-B562-73D2958170EE}" type="datetimeFigureOut">
               <a:rPr lang="pt-BR" smtClean="0"/>
-              <a:t>sábado</a:t>
+              <a:t>domingo</a:t>
             </a:fld>
             <a:endParaRPr lang="pt-BR"/>
           </a:p>
@@ -1847,7 +2163,7 @@
           <a:p>
             <a:fld id="{7D638593-04F8-497E-B562-73D2958170EE}" type="datetimeFigureOut">
               <a:rPr lang="pt-BR" smtClean="0"/>
-              <a:t>sábado</a:t>
+              <a:t>domingo</a:t>
             </a:fld>
             <a:endParaRPr lang="pt-BR"/>
           </a:p>
@@ -1988,7 +2304,7 @@
           <a:p>
             <a:fld id="{7D638593-04F8-497E-B562-73D2958170EE}" type="datetimeFigureOut">
               <a:rPr lang="pt-BR" smtClean="0"/>
-              <a:t>sábado</a:t>
+              <a:t>domingo</a:t>
             </a:fld>
             <a:endParaRPr lang="pt-BR"/>
           </a:p>
@@ -2101,7 +2417,7 @@
           <a:p>
             <a:fld id="{7D638593-04F8-497E-B562-73D2958170EE}" type="datetimeFigureOut">
               <a:rPr lang="pt-BR" smtClean="0"/>
-              <a:t>sábado</a:t>
+              <a:t>domingo</a:t>
             </a:fld>
             <a:endParaRPr lang="pt-BR"/>
           </a:p>
@@ -2412,7 +2728,7 @@
           <a:p>
             <a:fld id="{7D638593-04F8-497E-B562-73D2958170EE}" type="datetimeFigureOut">
               <a:rPr lang="pt-BR" smtClean="0"/>
-              <a:t>sábado</a:t>
+              <a:t>domingo</a:t>
             </a:fld>
             <a:endParaRPr lang="pt-BR"/>
           </a:p>
@@ -2700,7 +3016,7 @@
           <a:p>
             <a:fld id="{7D638593-04F8-497E-B562-73D2958170EE}" type="datetimeFigureOut">
               <a:rPr lang="pt-BR" smtClean="0"/>
-              <a:t>sábado</a:t>
+              <a:t>domingo</a:t>
             </a:fld>
             <a:endParaRPr lang="pt-BR"/>
           </a:p>
@@ -2941,7 +3257,7 @@
           <a:p>
             <a:fld id="{7D638593-04F8-497E-B562-73D2958170EE}" type="datetimeFigureOut">
               <a:rPr lang="pt-BR" smtClean="0"/>
-              <a:t>sábado</a:t>
+              <a:t>domingo</a:t>
             </a:fld>
             <a:endParaRPr lang="pt-BR"/>
           </a:p>
